--- a/figures/Box1_action_threshold_origin.pptx
+++ b/figures/Box1_action_threshold_origin.pptx
@@ -259,7 +259,7 @@
           <a:p>
             <a:fld id="{DE1B52ED-5A32-3B40-B289-658C0187859D}" type="datetimeFigureOut">
               <a:rPr lang="en-US" smtClean="0"/>
-              <a:t>7/23/21</a:t>
+              <a:t>9/30/21</a:t>
             </a:fld>
             <a:endParaRPr lang="en-US"/>
           </a:p>
@@ -457,7 +457,7 @@
           <a:p>
             <a:fld id="{DE1B52ED-5A32-3B40-B289-658C0187859D}" type="datetimeFigureOut">
               <a:rPr lang="en-US" smtClean="0"/>
-              <a:t>7/23/21</a:t>
+              <a:t>9/30/21</a:t>
             </a:fld>
             <a:endParaRPr lang="en-US"/>
           </a:p>
@@ -665,7 +665,7 @@
           <a:p>
             <a:fld id="{DE1B52ED-5A32-3B40-B289-658C0187859D}" type="datetimeFigureOut">
               <a:rPr lang="en-US" smtClean="0"/>
-              <a:t>7/23/21</a:t>
+              <a:t>9/30/21</a:t>
             </a:fld>
             <a:endParaRPr lang="en-US"/>
           </a:p>
@@ -863,7 +863,7 @@
           <a:p>
             <a:fld id="{DE1B52ED-5A32-3B40-B289-658C0187859D}" type="datetimeFigureOut">
               <a:rPr lang="en-US" smtClean="0"/>
-              <a:t>7/23/21</a:t>
+              <a:t>9/30/21</a:t>
             </a:fld>
             <a:endParaRPr lang="en-US"/>
           </a:p>
@@ -1138,7 +1138,7 @@
           <a:p>
             <a:fld id="{DE1B52ED-5A32-3B40-B289-658C0187859D}" type="datetimeFigureOut">
               <a:rPr lang="en-US" smtClean="0"/>
-              <a:t>7/23/21</a:t>
+              <a:t>9/30/21</a:t>
             </a:fld>
             <a:endParaRPr lang="en-US"/>
           </a:p>
@@ -1403,7 +1403,7 @@
           <a:p>
             <a:fld id="{DE1B52ED-5A32-3B40-B289-658C0187859D}" type="datetimeFigureOut">
               <a:rPr lang="en-US" smtClean="0"/>
-              <a:t>7/23/21</a:t>
+              <a:t>9/30/21</a:t>
             </a:fld>
             <a:endParaRPr lang="en-US"/>
           </a:p>
@@ -1815,7 +1815,7 @@
           <a:p>
             <a:fld id="{DE1B52ED-5A32-3B40-B289-658C0187859D}" type="datetimeFigureOut">
               <a:rPr lang="en-US" smtClean="0"/>
-              <a:t>7/23/21</a:t>
+              <a:t>9/30/21</a:t>
             </a:fld>
             <a:endParaRPr lang="en-US"/>
           </a:p>
@@ -1956,7 +1956,7 @@
           <a:p>
             <a:fld id="{DE1B52ED-5A32-3B40-B289-658C0187859D}" type="datetimeFigureOut">
               <a:rPr lang="en-US" smtClean="0"/>
-              <a:t>7/23/21</a:t>
+              <a:t>9/30/21</a:t>
             </a:fld>
             <a:endParaRPr lang="en-US"/>
           </a:p>
@@ -2069,7 +2069,7 @@
           <a:p>
             <a:fld id="{DE1B52ED-5A32-3B40-B289-658C0187859D}" type="datetimeFigureOut">
               <a:rPr lang="en-US" smtClean="0"/>
-              <a:t>7/23/21</a:t>
+              <a:t>9/30/21</a:t>
             </a:fld>
             <a:endParaRPr lang="en-US"/>
           </a:p>
@@ -2380,7 +2380,7 @@
           <a:p>
             <a:fld id="{DE1B52ED-5A32-3B40-B289-658C0187859D}" type="datetimeFigureOut">
               <a:rPr lang="en-US" smtClean="0"/>
-              <a:t>7/23/21</a:t>
+              <a:t>9/30/21</a:t>
             </a:fld>
             <a:endParaRPr lang="en-US"/>
           </a:p>
@@ -2668,7 +2668,7 @@
           <a:p>
             <a:fld id="{DE1B52ED-5A32-3B40-B289-658C0187859D}" type="datetimeFigureOut">
               <a:rPr lang="en-US" smtClean="0"/>
-              <a:t>7/23/21</a:t>
+              <a:t>9/30/21</a:t>
             </a:fld>
             <a:endParaRPr lang="en-US"/>
           </a:p>
@@ -2909,7 +2909,7 @@
           <a:p>
             <a:fld id="{DE1B52ED-5A32-3B40-B289-658C0187859D}" type="datetimeFigureOut">
               <a:rPr lang="en-US" smtClean="0"/>
-              <a:t>7/23/21</a:t>
+              <a:t>9/30/21</a:t>
             </a:fld>
             <a:endParaRPr lang="en-US"/>
           </a:p>

--- a/figures/Box1_action_threshold_origin.pptx
+++ b/figures/Box1_action_threshold_origin.pptx
@@ -259,7 +259,7 @@
           <a:p>
             <a:fld id="{DE1B52ED-5A32-3B40-B289-658C0187859D}" type="datetimeFigureOut">
               <a:rPr lang="en-US" smtClean="0"/>
-              <a:t>9/30/21</a:t>
+              <a:t>10/5/21</a:t>
             </a:fld>
             <a:endParaRPr lang="en-US"/>
           </a:p>
@@ -457,7 +457,7 @@
           <a:p>
             <a:fld id="{DE1B52ED-5A32-3B40-B289-658C0187859D}" type="datetimeFigureOut">
               <a:rPr lang="en-US" smtClean="0"/>
-              <a:t>9/30/21</a:t>
+              <a:t>10/5/21</a:t>
             </a:fld>
             <a:endParaRPr lang="en-US"/>
           </a:p>
@@ -665,7 +665,7 @@
           <a:p>
             <a:fld id="{DE1B52ED-5A32-3B40-B289-658C0187859D}" type="datetimeFigureOut">
               <a:rPr lang="en-US" smtClean="0"/>
-              <a:t>9/30/21</a:t>
+              <a:t>10/5/21</a:t>
             </a:fld>
             <a:endParaRPr lang="en-US"/>
           </a:p>
@@ -863,7 +863,7 @@
           <a:p>
             <a:fld id="{DE1B52ED-5A32-3B40-B289-658C0187859D}" type="datetimeFigureOut">
               <a:rPr lang="en-US" smtClean="0"/>
-              <a:t>9/30/21</a:t>
+              <a:t>10/5/21</a:t>
             </a:fld>
             <a:endParaRPr lang="en-US"/>
           </a:p>
@@ -1138,7 +1138,7 @@
           <a:p>
             <a:fld id="{DE1B52ED-5A32-3B40-B289-658C0187859D}" type="datetimeFigureOut">
               <a:rPr lang="en-US" smtClean="0"/>
-              <a:t>9/30/21</a:t>
+              <a:t>10/5/21</a:t>
             </a:fld>
             <a:endParaRPr lang="en-US"/>
           </a:p>
@@ -1403,7 +1403,7 @@
           <a:p>
             <a:fld id="{DE1B52ED-5A32-3B40-B289-658C0187859D}" type="datetimeFigureOut">
               <a:rPr lang="en-US" smtClean="0"/>
-              <a:t>9/30/21</a:t>
+              <a:t>10/5/21</a:t>
             </a:fld>
             <a:endParaRPr lang="en-US"/>
           </a:p>
@@ -1815,7 +1815,7 @@
           <a:p>
             <a:fld id="{DE1B52ED-5A32-3B40-B289-658C0187859D}" type="datetimeFigureOut">
               <a:rPr lang="en-US" smtClean="0"/>
-              <a:t>9/30/21</a:t>
+              <a:t>10/5/21</a:t>
             </a:fld>
             <a:endParaRPr lang="en-US"/>
           </a:p>
@@ -1956,7 +1956,7 @@
           <a:p>
             <a:fld id="{DE1B52ED-5A32-3B40-B289-658C0187859D}" type="datetimeFigureOut">
               <a:rPr lang="en-US" smtClean="0"/>
-              <a:t>9/30/21</a:t>
+              <a:t>10/5/21</a:t>
             </a:fld>
             <a:endParaRPr lang="en-US"/>
           </a:p>
@@ -2069,7 +2069,7 @@
           <a:p>
             <a:fld id="{DE1B52ED-5A32-3B40-B289-658C0187859D}" type="datetimeFigureOut">
               <a:rPr lang="en-US" smtClean="0"/>
-              <a:t>9/30/21</a:t>
+              <a:t>10/5/21</a:t>
             </a:fld>
             <a:endParaRPr lang="en-US"/>
           </a:p>
@@ -2380,7 +2380,7 @@
           <a:p>
             <a:fld id="{DE1B52ED-5A32-3B40-B289-658C0187859D}" type="datetimeFigureOut">
               <a:rPr lang="en-US" smtClean="0"/>
-              <a:t>9/30/21</a:t>
+              <a:t>10/5/21</a:t>
             </a:fld>
             <a:endParaRPr lang="en-US"/>
           </a:p>
@@ -2668,7 +2668,7 @@
           <a:p>
             <a:fld id="{DE1B52ED-5A32-3B40-B289-658C0187859D}" type="datetimeFigureOut">
               <a:rPr lang="en-US" smtClean="0"/>
-              <a:t>9/30/21</a:t>
+              <a:t>10/5/21</a:t>
             </a:fld>
             <a:endParaRPr lang="en-US"/>
           </a:p>
@@ -2909,7 +2909,7 @@
           <a:p>
             <a:fld id="{DE1B52ED-5A32-3B40-B289-658C0187859D}" type="datetimeFigureOut">
               <a:rPr lang="en-US" smtClean="0"/>
-              <a:t>9/30/21</a:t>
+              <a:t>10/5/21</a:t>
             </a:fld>
             <a:endParaRPr lang="en-US"/>
           </a:p>
@@ -3370,7 +3370,7 @@
         </p:nvSpPr>
         <p:spPr>
           <a:xfrm>
-            <a:off x="6708539" y="119743"/>
+            <a:off x="6263619" y="0"/>
             <a:ext cx="348172" cy="461665"/>
           </a:xfrm>
           <a:prstGeom prst="rect">
@@ -3405,14 +3405,14 @@
         </p:nvSpPr>
         <p:spPr>
           <a:xfrm>
-            <a:off x="7141029" y="119743"/>
-            <a:ext cx="3831771" cy="3548743"/>
+            <a:off x="6632339" y="119744"/>
+            <a:ext cx="4340461" cy="3465938"/>
           </a:xfrm>
           <a:prstGeom prst="rect">
             <a:avLst/>
           </a:prstGeom>
           <a:noFill/>
-          <a:ln w="28575">
+          <a:ln w="19050">
             <a:solidFill>
               <a:schemeClr val="tx1"/>
             </a:solidFill>
@@ -3457,8 +3457,8 @@
         </p:nvSpPr>
         <p:spPr>
           <a:xfrm>
-            <a:off x="7141030" y="165909"/>
-            <a:ext cx="3745274" cy="738664"/>
+            <a:off x="6637602" y="145361"/>
+            <a:ext cx="4129715" cy="646331"/>
           </a:xfrm>
           <a:prstGeom prst="rect">
             <a:avLst/>
@@ -3472,39 +3472,39 @@
           <a:lstStyle/>
           <a:p>
             <a:r>
-              <a:rPr lang="en-US" sz="1400" dirty="0">
+              <a:rPr lang="en-US" sz="1200" dirty="0">
                 <a:latin typeface="Arial" panose="020B0604020202020204" pitchFamily="34" charset="0"/>
                 <a:cs typeface="Arial" panose="020B0604020202020204" pitchFamily="34" charset="0"/>
               </a:rPr>
               <a:t>The </a:t>
             </a:r>
             <a:r>
-              <a:rPr lang="en-US" sz="1400" b="1" dirty="0">
+              <a:rPr lang="en-US" sz="1200" b="1" dirty="0">
                 <a:latin typeface="Arial" panose="020B0604020202020204" pitchFamily="34" charset="0"/>
                 <a:cs typeface="Arial" panose="020B0604020202020204" pitchFamily="34" charset="0"/>
               </a:rPr>
               <a:t>maximum residue limit (MRL) </a:t>
             </a:r>
             <a:r>
-              <a:rPr lang="en-US" sz="1400" dirty="0">
+              <a:rPr lang="en-US" sz="1200" dirty="0">
                 <a:latin typeface="Arial" panose="020B0604020202020204" pitchFamily="34" charset="0"/>
                 <a:cs typeface="Arial" panose="020B0604020202020204" pitchFamily="34" charset="0"/>
               </a:rPr>
               <a:t>is the concentration of toxin in food that would exceed the </a:t>
             </a:r>
             <a:r>
-              <a:rPr lang="en-US" sz="1400" dirty="0" err="1">
+              <a:rPr lang="en-US" sz="1200" dirty="0" err="1">
                 <a:latin typeface="Arial" panose="020B0604020202020204" pitchFamily="34" charset="0"/>
                 <a:cs typeface="Arial" panose="020B0604020202020204" pitchFamily="34" charset="0"/>
               </a:rPr>
               <a:t>ARfD</a:t>
             </a:r>
             <a:r>
-              <a:rPr lang="en-US" sz="1400" dirty="0">
+              <a:rPr lang="en-US" sz="1200" dirty="0">
                 <a:latin typeface="Arial" panose="020B0604020202020204" pitchFamily="34" charset="0"/>
                 <a:cs typeface="Arial" panose="020B0604020202020204" pitchFamily="34" charset="0"/>
               </a:rPr>
-              <a:t> in an average human.</a:t>
+              <a:t> in a human of average body weight.</a:t>
             </a:r>
           </a:p>
         </p:txBody>
@@ -3612,8 +3612,8 @@
         </p:nvSpPr>
         <p:spPr>
           <a:xfrm>
-            <a:off x="7141028" y="1555962"/>
-            <a:ext cx="3745276" cy="954107"/>
+            <a:off x="6637600" y="1249448"/>
+            <a:ext cx="4405408" cy="2339102"/>
           </a:xfrm>
           <a:prstGeom prst="rect">
             <a:avLst/>
@@ -3632,40 +3632,77 @@
           </a:p>
           <a:p>
             <a:r>
-              <a:rPr lang="en-US" sz="1400" dirty="0">
+              <a:rPr lang="en-US" sz="1200" dirty="0">
                 <a:latin typeface="Arial" panose="020B0604020202020204" pitchFamily="34" charset="0"/>
                 <a:cs typeface="Arial" panose="020B0604020202020204" pitchFamily="34" charset="0"/>
               </a:rPr>
               <a:t>MRL = </a:t>
             </a:r>
             <a:r>
-              <a:rPr lang="en-US" sz="1400" dirty="0" err="1">
+              <a:rPr lang="en-US" sz="1200" dirty="0" err="1">
                 <a:latin typeface="Arial" panose="020B0604020202020204" pitchFamily="34" charset="0"/>
                 <a:cs typeface="Arial" panose="020B0604020202020204" pitchFamily="34" charset="0"/>
               </a:rPr>
               <a:t>ARfD</a:t>
             </a:r>
             <a:r>
-              <a:rPr lang="en-US" sz="1400" dirty="0">
+              <a:rPr lang="en-US" sz="1200" dirty="0">
                 <a:latin typeface="Arial" panose="020B0604020202020204" pitchFamily="34" charset="0"/>
                 <a:cs typeface="Arial" panose="020B0604020202020204" pitchFamily="34" charset="0"/>
               </a:rPr>
-              <a:t> * human weight / crab weight</a:t>
-            </a:r>
-          </a:p>
-          <a:p>
-            <a:endParaRPr lang="en-US" sz="1400" dirty="0">
+              <a:t> * human weight / serving weight</a:t>
+            </a:r>
+          </a:p>
+          <a:p>
+            <a:r>
+              <a:rPr lang="en-US" sz="1200" dirty="0">
+                <a:latin typeface="Arial" panose="020B0604020202020204" pitchFamily="34" charset="0"/>
+                <a:cs typeface="Arial" panose="020B0604020202020204" pitchFamily="34" charset="0"/>
+              </a:rPr>
+              <a:t>MRL = 0.1 mg/kg * 60 kg / 0.3 kg = 20 mg/kg = 20 ppm</a:t>
+            </a:r>
+          </a:p>
+          <a:p>
+            <a:endParaRPr lang="en-US" sz="600" dirty="0">
               <a:latin typeface="Arial" panose="020B0604020202020204" pitchFamily="34" charset="0"/>
               <a:cs typeface="Arial" panose="020B0604020202020204" pitchFamily="34" charset="0"/>
             </a:endParaRPr>
           </a:p>
           <a:p>
             <a:r>
-              <a:rPr lang="en-US" sz="1400" dirty="0">
+              <a:rPr lang="en-US" sz="1200" dirty="0">
                 <a:latin typeface="Arial" panose="020B0604020202020204" pitchFamily="34" charset="0"/>
                 <a:cs typeface="Arial" panose="020B0604020202020204" pitchFamily="34" charset="0"/>
               </a:rPr>
-              <a:t>MRL = 0.1 mg/kg * 60 kg / 0.3 kg = 20 mg/kg</a:t>
+              <a:t>In 1993, the FDA set a 30 ppm action threshold for the viscera based on two assumptions: (1) a serving of crab is 0.3 kg meat and 0.15 kg viscera and (2) domoic acid levels are 5x higher in the viscera than the meat. Thus, given an acute dose of 6 mg for a 60 kg person, 1 mg would come from the meat and 5 mg would come from the viscera:</a:t>
+            </a:r>
+          </a:p>
+          <a:p>
+            <a:endParaRPr lang="en-US" sz="600" dirty="0">
+              <a:latin typeface="Arial" panose="020B0604020202020204" pitchFamily="34" charset="0"/>
+              <a:cs typeface="Arial" panose="020B0604020202020204" pitchFamily="34" charset="0"/>
+            </a:endParaRPr>
+          </a:p>
+          <a:p>
+            <a:r>
+              <a:rPr lang="en-US" sz="1200" dirty="0">
+                <a:latin typeface="Arial" panose="020B0604020202020204" pitchFamily="34" charset="0"/>
+                <a:cs typeface="Arial" panose="020B0604020202020204" pitchFamily="34" charset="0"/>
+              </a:rPr>
+              <a:t>5 mg / 0.15 kg viscera = 33 mg/kg ≈ 30 mg/kg</a:t>
+            </a:r>
+            <a:br>
+              <a:rPr lang="en-US" sz="1200" dirty="0">
+                <a:latin typeface="Arial" panose="020B0604020202020204" pitchFamily="34" charset="0"/>
+                <a:cs typeface="Arial" panose="020B0604020202020204" pitchFamily="34" charset="0"/>
+              </a:rPr>
+            </a:br>
+            <a:r>
+              <a:rPr lang="en-US" sz="1200" dirty="0">
+                <a:latin typeface="Arial" panose="020B0604020202020204" pitchFamily="34" charset="0"/>
+                <a:cs typeface="Arial" panose="020B0604020202020204" pitchFamily="34" charset="0"/>
+              </a:rPr>
+              <a:t>1 mg / 0.30 kg meat = </a:t>
             </a:r>
           </a:p>
         </p:txBody>
@@ -3693,8 +3730,8 @@
         </p:blipFill>
         <p:spPr>
           <a:xfrm>
-            <a:off x="9421403" y="942124"/>
-            <a:ext cx="359596" cy="858345"/>
+            <a:off x="9154279" y="757192"/>
+            <a:ext cx="280786" cy="670227"/>
           </a:xfrm>
           <a:prstGeom prst="rect">
             <a:avLst/>
@@ -3715,8 +3752,8 @@
         </p:nvSpPr>
         <p:spPr>
           <a:xfrm>
-            <a:off x="9258799" y="1186630"/>
-            <a:ext cx="684803" cy="369332"/>
+            <a:off x="8962880" y="954255"/>
+            <a:ext cx="675185" cy="338554"/>
           </a:xfrm>
           <a:prstGeom prst="rect">
             <a:avLst/>
@@ -3729,9 +3766,10 @@
           </a:bodyPr>
           <a:lstStyle/>
           <a:p>
-            <a:r>
-              <a:rPr lang="en-US" dirty="0"/>
-              <a:t>60 kg</a:t>
+            <a:pPr algn="ctr"/>
+            <a:r>
+              <a:rPr lang="en-US" sz="1600" dirty="0"/>
+              <a:t>60 kg </a:t>
             </a:r>
           </a:p>
         </p:txBody>
@@ -3759,8 +3797,8 @@
         </p:blipFill>
         <p:spPr>
           <a:xfrm>
-            <a:off x="8066998" y="998327"/>
-            <a:ext cx="917219" cy="701812"/>
+            <a:off x="7799875" y="813395"/>
+            <a:ext cx="802486" cy="614024"/>
           </a:xfrm>
           <a:prstGeom prst="rect">
             <a:avLst/>
@@ -3781,8 +3819,8 @@
         </p:nvSpPr>
         <p:spPr>
           <a:xfrm>
-            <a:off x="8156191" y="1190575"/>
-            <a:ext cx="742511" cy="369332"/>
+            <a:off x="7859611" y="955368"/>
+            <a:ext cx="679994" cy="338554"/>
           </a:xfrm>
           <a:prstGeom prst="rect">
             <a:avLst/>
@@ -3795,8 +3833,9 @@
           </a:bodyPr>
           <a:lstStyle/>
           <a:p>
-            <a:r>
-              <a:rPr lang="en-US" dirty="0"/>
+            <a:pPr algn="ctr"/>
+            <a:r>
+              <a:rPr lang="en-US" sz="1600" dirty="0"/>
               <a:t>0.3 kg</a:t>
             </a:r>
           </a:p>
